--- a/Introduction-to-Sudoku-Solver-Visualizer.pptx
+++ b/Introduction-to-Sudoku-Solver-Visualizer.pptx
@@ -5,7 +5,7 @@
     <p:sldMasterId id="2147483648" r:id="rId1"/>
   </p:sldMasterIdLst>
   <p:notesMasterIdLst>
-    <p:notesMasterId r:id="rId10"/>
+    <p:notesMasterId r:id="rId9"/>
   </p:notesMasterIdLst>
   <p:sldIdLst>
     <p:sldId id="256" r:id="rId2"/>
@@ -14,8 +14,7 @@
     <p:sldId id="259" r:id="rId5"/>
     <p:sldId id="260" r:id="rId6"/>
     <p:sldId id="261" r:id="rId7"/>
-    <p:sldId id="262" r:id="rId8"/>
-    <p:sldId id="263" r:id="rId9"/>
+    <p:sldId id="263" r:id="rId8"/>
   </p:sldIdLst>
   <p:sldSz cx="14630400" cy="8229600"/>
   <p:notesSz cx="8229600" cy="14630400"/>
@@ -814,90 +813,6 @@
             <a:fld id="{F7021451-1387-4CA6-816F-3879F97B5CBC}" type="slidenum">
               <a:rPr lang="en-US"/>
               <a:t>7</a:t>
-            </a:fld>
-            <a:endParaRPr lang="en-US"/>
-          </a:p>
-        </p:txBody>
-      </p:sp>
-    </p:spTree>
-    <p:extLst>
-      <p:ext uri="{BB962C8B-B14F-4D97-AF65-F5344CB8AC3E}">
-        <p14:creationId xmlns:p14="http://schemas.microsoft.com/office/powerpoint/2010/main" val="1024086991"/>
-      </p:ext>
-    </p:extLst>
-  </p:cSld>
-  <p:clrMapOvr>
-    <a:masterClrMapping/>
-  </p:clrMapOvr>
-</p:notes>
-</file>
-
-<file path=ppt/notesSlides/notesSlide8.xml><?xml version="1.0" encoding="utf-8"?>
-<p:notes xmlns:a="http://schemas.openxmlformats.org/drawingml/2006/main" xmlns:r="http://schemas.openxmlformats.org/officeDocument/2006/relationships" xmlns:p="http://schemas.openxmlformats.org/presentationml/2006/main">
-  <p:cSld>
-    <p:spTree>
-      <p:nvGrpSpPr>
-        <p:cNvPr id="1" name=""/>
-        <p:cNvGrpSpPr/>
-        <p:nvPr/>
-      </p:nvGrpSpPr>
-      <p:grpSpPr>
-        <a:xfrm>
-          <a:off x="0" y="0"/>
-          <a:ext cx="0" cy="0"/>
-          <a:chOff x="0" y="0"/>
-          <a:chExt cx="0" cy="0"/>
-        </a:xfrm>
-      </p:grpSpPr>
-      <p:sp>
-        <p:nvSpPr>
-          <p:cNvPr id="2" name="Slide Image Placeholder 1"/>
-          <p:cNvSpPr>
-            <a:spLocks noGrp="1" noRot="1" noChangeAspect="1"/>
-          </p:cNvSpPr>
-          <p:nvPr>
-            <p:ph type="sldImg"/>
-          </p:nvPr>
-        </p:nvSpPr>
-        <p:spPr/>
-      </p:sp>
-      <p:sp>
-        <p:nvSpPr>
-          <p:cNvPr id="3" name="Notes Placeholder 2"/>
-          <p:cNvSpPr>
-            <a:spLocks noGrp="1"/>
-          </p:cNvSpPr>
-          <p:nvPr>
-            <p:ph type="body" idx="1"/>
-          </p:nvPr>
-        </p:nvSpPr>
-        <p:spPr/>
-        <p:txBody>
-          <a:bodyPr/>
-          <a:lstStyle/>
-          <a:p>
-            <a:endParaRPr lang="en-US" dirty="0"/>
-          </a:p>
-        </p:txBody>
-      </p:sp>
-      <p:sp>
-        <p:nvSpPr>
-          <p:cNvPr id="4" name="Slide Number Placeholder 3"/>
-          <p:cNvSpPr>
-            <a:spLocks noGrp="1"/>
-          </p:cNvSpPr>
-          <p:nvPr>
-            <p:ph type="sldNum" sz="quarter" idx="10"/>
-          </p:nvPr>
-        </p:nvSpPr>
-        <p:spPr/>
-        <p:txBody>
-          <a:bodyPr/>
-          <a:lstStyle/>
-          <a:p>
-            <a:fld id="{F7021451-1387-4CA6-816F-3879F97B5CBC}" type="slidenum">
-              <a:rPr lang="en-US"/>
-              <a:t>8</a:t>
             </a:fld>
             <a:endParaRPr lang="en-US"/>
           </a:p>
@@ -4353,582 +4268,6 @@
 
 <file path=ppt/slides/slide7.xml><?xml version="1.0" encoding="utf-8"?>
 <p:sld xmlns:a="http://schemas.openxmlformats.org/drawingml/2006/main" xmlns:r="http://schemas.openxmlformats.org/officeDocument/2006/relationships" xmlns:p="http://schemas.openxmlformats.org/presentationml/2006/main">
-  <p:cSld name="Slide 7">
-    <p:spTree>
-      <p:nvGrpSpPr>
-        <p:cNvPr id="1" name=""/>
-        <p:cNvGrpSpPr/>
-        <p:nvPr/>
-      </p:nvGrpSpPr>
-      <p:grpSpPr>
-        <a:xfrm>
-          <a:off x="0" y="0"/>
-          <a:ext cx="0" cy="0"/>
-          <a:chOff x="0" y="0"/>
-          <a:chExt cx="0" cy="0"/>
-        </a:xfrm>
-      </p:grpSpPr>
-      <p:pic>
-        <p:nvPicPr>
-          <p:cNvPr id="2" name="Image 0" descr="preencoded.png"/>
-          <p:cNvPicPr>
-            <a:picLocks noChangeAspect="1"/>
-          </p:cNvPicPr>
-          <p:nvPr/>
-        </p:nvPicPr>
-        <p:blipFill>
-          <a:blip r:embed="rId3"/>
-          <a:stretch>
-            <a:fillRect/>
-          </a:stretch>
-        </p:blipFill>
-        <p:spPr>
-          <a:xfrm>
-            <a:off x="0" y="0"/>
-            <a:ext cx="14630400" cy="8229600"/>
-          </a:xfrm>
-          <a:prstGeom prst="rect">
-            <a:avLst/>
-          </a:prstGeom>
-        </p:spPr>
-      </p:pic>
-      <p:sp>
-        <p:nvSpPr>
-          <p:cNvPr id="3" name="Shape 0"/>
-          <p:cNvSpPr/>
-          <p:nvPr/>
-        </p:nvSpPr>
-        <p:spPr>
-          <a:xfrm>
-            <a:off x="0" y="0"/>
-            <a:ext cx="14630400" cy="8229600"/>
-          </a:xfrm>
-          <a:prstGeom prst="rect">
-            <a:avLst/>
-          </a:prstGeom>
-          <a:solidFill>
-            <a:srgbClr val="000018">
-              <a:alpha val="75000"/>
-            </a:srgbClr>
-          </a:solidFill>
-          <a:ln/>
-        </p:spPr>
-        <p:txBody>
-          <a:bodyPr/>
-          <a:lstStyle/>
-          <a:p>
-            <a:endParaRPr lang="en-US"/>
-          </a:p>
-        </p:txBody>
-      </p:sp>
-      <p:pic>
-        <p:nvPicPr>
-          <p:cNvPr id="4" name="Image 1" descr="preencoded.png"/>
-          <p:cNvPicPr>
-            <a:picLocks noChangeAspect="1"/>
-          </p:cNvPicPr>
-          <p:nvPr/>
-        </p:nvPicPr>
-        <p:blipFill>
-          <a:blip r:embed="rId4"/>
-          <a:stretch>
-            <a:fillRect/>
-          </a:stretch>
-        </p:blipFill>
-        <p:spPr>
-          <a:xfrm>
-            <a:off x="0" y="0"/>
-            <a:ext cx="14630400" cy="3086100"/>
-          </a:xfrm>
-          <a:prstGeom prst="rect">
-            <a:avLst/>
-          </a:prstGeom>
-        </p:spPr>
-      </p:pic>
-      <p:sp>
-        <p:nvSpPr>
-          <p:cNvPr id="5" name="Text 1"/>
-          <p:cNvSpPr/>
-          <p:nvPr/>
-        </p:nvSpPr>
-        <p:spPr>
-          <a:xfrm>
-            <a:off x="864037" y="3795355"/>
-            <a:ext cx="6172200" cy="771525"/>
-          </a:xfrm>
-          <a:prstGeom prst="rect">
-            <a:avLst/>
-          </a:prstGeom>
-          <a:noFill/>
-          <a:ln/>
-        </p:spPr>
-        <p:txBody>
-          <a:bodyPr wrap="none" rtlCol="0" anchor="t"/>
-          <a:lstStyle/>
-          <a:p>
-            <a:pPr marL="0" indent="0">
-              <a:lnSpc>
-                <a:spcPts val="6075"/>
-              </a:lnSpc>
-              <a:buNone/>
-            </a:pPr>
-            <a:r>
-              <a:rPr lang="en-US" sz="4860" dirty="0">
-                <a:solidFill>
-                  <a:srgbClr val="FFFFFF"/>
-                </a:solidFill>
-                <a:latin typeface="Roboto" pitchFamily="34" charset="0"/>
-                <a:ea typeface="Roboto" pitchFamily="34" charset="-122"/>
-                <a:cs typeface="Roboto" pitchFamily="34" charset="-120"/>
-              </a:rPr>
-              <a:t>User Interface Design</a:t>
-            </a:r>
-            <a:endParaRPr lang="en-US" sz="4860" dirty="0"/>
-          </a:p>
-        </p:txBody>
-      </p:sp>
-      <p:pic>
-        <p:nvPicPr>
-          <p:cNvPr id="6" name="Image 2" descr="preencoded.png"/>
-          <p:cNvPicPr>
-            <a:picLocks noChangeAspect="1"/>
-          </p:cNvPicPr>
-          <p:nvPr/>
-        </p:nvPicPr>
-        <p:blipFill>
-          <a:blip r:embed="rId5"/>
-          <a:stretch>
-            <a:fillRect/>
-          </a:stretch>
-        </p:blipFill>
-        <p:spPr>
-          <a:xfrm>
-            <a:off x="864037" y="4937165"/>
-            <a:ext cx="617220" cy="617220"/>
-          </a:xfrm>
-          <a:prstGeom prst="rect">
-            <a:avLst/>
-          </a:prstGeom>
-        </p:spPr>
-      </p:pic>
-      <p:sp>
-        <p:nvSpPr>
-          <p:cNvPr id="7" name="Text 2"/>
-          <p:cNvSpPr/>
-          <p:nvPr/>
-        </p:nvSpPr>
-        <p:spPr>
-          <a:xfrm>
-            <a:off x="864037" y="5801201"/>
-            <a:ext cx="2947868" cy="385763"/>
-          </a:xfrm>
-          <a:prstGeom prst="rect">
-            <a:avLst/>
-          </a:prstGeom>
-          <a:noFill/>
-          <a:ln/>
-        </p:spPr>
-        <p:txBody>
-          <a:bodyPr wrap="none" rtlCol="0" anchor="t"/>
-          <a:lstStyle/>
-          <a:p>
-            <a:pPr marL="0" indent="0" algn="l">
-              <a:lnSpc>
-                <a:spcPts val="3038"/>
-              </a:lnSpc>
-              <a:buNone/>
-            </a:pPr>
-            <a:r>
-              <a:rPr lang="en-US" sz="2430" dirty="0">
-                <a:solidFill>
-                  <a:srgbClr val="CFD0D8"/>
-                </a:solidFill>
-                <a:latin typeface="Roboto" pitchFamily="34" charset="0"/>
-                <a:ea typeface="Roboto" pitchFamily="34" charset="-122"/>
-                <a:cs typeface="Roboto" pitchFamily="34" charset="-120"/>
-              </a:rPr>
-              <a:t>Start Solver</a:t>
-            </a:r>
-            <a:endParaRPr lang="en-US" sz="2430" dirty="0"/>
-          </a:p>
-        </p:txBody>
-      </p:sp>
-      <p:sp>
-        <p:nvSpPr>
-          <p:cNvPr id="8" name="Text 3"/>
-          <p:cNvSpPr/>
-          <p:nvPr/>
-        </p:nvSpPr>
-        <p:spPr>
-          <a:xfrm>
-            <a:off x="864037" y="6335078"/>
-            <a:ext cx="2947868" cy="1185148"/>
-          </a:xfrm>
-          <a:prstGeom prst="rect">
-            <a:avLst/>
-          </a:prstGeom>
-          <a:noFill/>
-          <a:ln/>
-        </p:spPr>
-        <p:txBody>
-          <a:bodyPr wrap="square" rtlCol="0" anchor="t"/>
-          <a:lstStyle/>
-          <a:p>
-            <a:pPr marL="0" indent="0" algn="l">
-              <a:lnSpc>
-                <a:spcPts val="3110"/>
-              </a:lnSpc>
-              <a:buNone/>
-            </a:pPr>
-            <a:r>
-              <a:rPr lang="en-US" sz="1944" dirty="0">
-                <a:solidFill>
-                  <a:srgbClr val="CFD0D8"/>
-                </a:solidFill>
-                <a:latin typeface="Roboto" pitchFamily="34" charset="0"/>
-                <a:ea typeface="Roboto" pitchFamily="34" charset="-122"/>
-                <a:cs typeface="Roboto" pitchFamily="34" charset="-120"/>
-              </a:rPr>
-              <a:t>Allows users to initiate the solving process with a single click.</a:t>
-            </a:r>
-            <a:endParaRPr lang="en-US" sz="1944" dirty="0"/>
-          </a:p>
-        </p:txBody>
-      </p:sp>
-      <p:pic>
-        <p:nvPicPr>
-          <p:cNvPr id="9" name="Image 3" descr="preencoded.png"/>
-          <p:cNvPicPr>
-            <a:picLocks noChangeAspect="1"/>
-          </p:cNvPicPr>
-          <p:nvPr/>
-        </p:nvPicPr>
-        <p:blipFill>
-          <a:blip r:embed="rId6"/>
-          <a:stretch>
-            <a:fillRect/>
-          </a:stretch>
-        </p:blipFill>
-        <p:spPr>
-          <a:xfrm>
-            <a:off x="4182189" y="4937165"/>
-            <a:ext cx="617220" cy="617220"/>
-          </a:xfrm>
-          <a:prstGeom prst="rect">
-            <a:avLst/>
-          </a:prstGeom>
-        </p:spPr>
-      </p:pic>
-      <p:sp>
-        <p:nvSpPr>
-          <p:cNvPr id="10" name="Text 4"/>
-          <p:cNvSpPr/>
-          <p:nvPr/>
-        </p:nvSpPr>
-        <p:spPr>
-          <a:xfrm>
-            <a:off x="4182189" y="5801201"/>
-            <a:ext cx="2947868" cy="385763"/>
-          </a:xfrm>
-          <a:prstGeom prst="rect">
-            <a:avLst/>
-          </a:prstGeom>
-          <a:noFill/>
-          <a:ln/>
-        </p:spPr>
-        <p:txBody>
-          <a:bodyPr wrap="none" rtlCol="0" anchor="t"/>
-          <a:lstStyle/>
-          <a:p>
-            <a:pPr marL="0" indent="0" algn="l">
-              <a:lnSpc>
-                <a:spcPts val="3038"/>
-              </a:lnSpc>
-              <a:buNone/>
-            </a:pPr>
-            <a:r>
-              <a:rPr lang="en-US" sz="2430" dirty="0">
-                <a:solidFill>
-                  <a:srgbClr val="CFD0D8"/>
-                </a:solidFill>
-                <a:latin typeface="Roboto" pitchFamily="34" charset="0"/>
-                <a:ea typeface="Roboto" pitchFamily="34" charset="-122"/>
-                <a:cs typeface="Roboto" pitchFamily="34" charset="-120"/>
-              </a:rPr>
-              <a:t>Pause/Resume</a:t>
-            </a:r>
-            <a:endParaRPr lang="en-US" sz="2430" dirty="0"/>
-          </a:p>
-        </p:txBody>
-      </p:sp>
-      <p:sp>
-        <p:nvSpPr>
-          <p:cNvPr id="11" name="Text 5"/>
-          <p:cNvSpPr/>
-          <p:nvPr/>
-        </p:nvSpPr>
-        <p:spPr>
-          <a:xfrm>
-            <a:off x="4182189" y="6335078"/>
-            <a:ext cx="2947868" cy="1185148"/>
-          </a:xfrm>
-          <a:prstGeom prst="rect">
-            <a:avLst/>
-          </a:prstGeom>
-          <a:noFill/>
-          <a:ln/>
-        </p:spPr>
-        <p:txBody>
-          <a:bodyPr wrap="square" rtlCol="0" anchor="t"/>
-          <a:lstStyle/>
-          <a:p>
-            <a:pPr marL="0" indent="0" algn="l">
-              <a:lnSpc>
-                <a:spcPts val="3110"/>
-              </a:lnSpc>
-              <a:buNone/>
-            </a:pPr>
-            <a:r>
-              <a:rPr lang="en-US" sz="1944" dirty="0">
-                <a:solidFill>
-                  <a:srgbClr val="CFD0D8"/>
-                </a:solidFill>
-                <a:latin typeface="Roboto" pitchFamily="34" charset="0"/>
-                <a:ea typeface="Roboto" pitchFamily="34" charset="-122"/>
-                <a:cs typeface="Roboto" pitchFamily="34" charset="-120"/>
-              </a:rPr>
-              <a:t>Enables users to pause the visualization and resume at any point.</a:t>
-            </a:r>
-            <a:endParaRPr lang="en-US" sz="1944" dirty="0"/>
-          </a:p>
-        </p:txBody>
-      </p:sp>
-      <p:pic>
-        <p:nvPicPr>
-          <p:cNvPr id="12" name="Image 4" descr="preencoded.png"/>
-          <p:cNvPicPr>
-            <a:picLocks noChangeAspect="1"/>
-          </p:cNvPicPr>
-          <p:nvPr/>
-        </p:nvPicPr>
-        <p:blipFill>
-          <a:blip r:embed="rId7"/>
-          <a:stretch>
-            <a:fillRect/>
-          </a:stretch>
-        </p:blipFill>
-        <p:spPr>
-          <a:xfrm>
-            <a:off x="7500342" y="4937165"/>
-            <a:ext cx="617220" cy="617220"/>
-          </a:xfrm>
-          <a:prstGeom prst="rect">
-            <a:avLst/>
-          </a:prstGeom>
-        </p:spPr>
-      </p:pic>
-      <p:sp>
-        <p:nvSpPr>
-          <p:cNvPr id="13" name="Text 6"/>
-          <p:cNvSpPr/>
-          <p:nvPr/>
-        </p:nvSpPr>
-        <p:spPr>
-          <a:xfrm>
-            <a:off x="7500342" y="5801201"/>
-            <a:ext cx="2947868" cy="385763"/>
-          </a:xfrm>
-          <a:prstGeom prst="rect">
-            <a:avLst/>
-          </a:prstGeom>
-          <a:noFill/>
-          <a:ln/>
-        </p:spPr>
-        <p:txBody>
-          <a:bodyPr wrap="none" rtlCol="0" anchor="t"/>
-          <a:lstStyle/>
-          <a:p>
-            <a:pPr marL="0" indent="0" algn="l">
-              <a:lnSpc>
-                <a:spcPts val="3038"/>
-              </a:lnSpc>
-              <a:buNone/>
-            </a:pPr>
-            <a:r>
-              <a:rPr lang="en-US" sz="2430" dirty="0">
-                <a:solidFill>
-                  <a:srgbClr val="CFD0D8"/>
-                </a:solidFill>
-                <a:latin typeface="Roboto" pitchFamily="34" charset="0"/>
-                <a:ea typeface="Roboto" pitchFamily="34" charset="-122"/>
-                <a:cs typeface="Roboto" pitchFamily="34" charset="-120"/>
-              </a:rPr>
-              <a:t>Reset Board</a:t>
-            </a:r>
-            <a:endParaRPr lang="en-US" sz="2430" dirty="0"/>
-          </a:p>
-        </p:txBody>
-      </p:sp>
-      <p:sp>
-        <p:nvSpPr>
-          <p:cNvPr id="14" name="Text 7"/>
-          <p:cNvSpPr/>
-          <p:nvPr/>
-        </p:nvSpPr>
-        <p:spPr>
-          <a:xfrm>
-            <a:off x="7500342" y="6335078"/>
-            <a:ext cx="2947868" cy="1185148"/>
-          </a:xfrm>
-          <a:prstGeom prst="rect">
-            <a:avLst/>
-          </a:prstGeom>
-          <a:noFill/>
-          <a:ln/>
-        </p:spPr>
-        <p:txBody>
-          <a:bodyPr wrap="square" rtlCol="0" anchor="t"/>
-          <a:lstStyle/>
-          <a:p>
-            <a:pPr marL="0" indent="0" algn="l">
-              <a:lnSpc>
-                <a:spcPts val="3110"/>
-              </a:lnSpc>
-              <a:buNone/>
-            </a:pPr>
-            <a:r>
-              <a:rPr lang="en-US" sz="1944" dirty="0">
-                <a:solidFill>
-                  <a:srgbClr val="CFD0D8"/>
-                </a:solidFill>
-                <a:latin typeface="Roboto" pitchFamily="34" charset="0"/>
-                <a:ea typeface="Roboto" pitchFamily="34" charset="-122"/>
-                <a:cs typeface="Roboto" pitchFamily="34" charset="-120"/>
-              </a:rPr>
-              <a:t>Provides an easy way for users to clear the board and start a new puzzle.</a:t>
-            </a:r>
-            <a:endParaRPr lang="en-US" sz="1944" dirty="0"/>
-          </a:p>
-        </p:txBody>
-      </p:sp>
-      <p:pic>
-        <p:nvPicPr>
-          <p:cNvPr id="15" name="Image 5" descr="preencoded.png"/>
-          <p:cNvPicPr>
-            <a:picLocks noChangeAspect="1"/>
-          </p:cNvPicPr>
-          <p:nvPr/>
-        </p:nvPicPr>
-        <p:blipFill>
-          <a:blip r:embed="rId8"/>
-          <a:stretch>
-            <a:fillRect/>
-          </a:stretch>
-        </p:blipFill>
-        <p:spPr>
-          <a:xfrm>
-            <a:off x="10818495" y="4937165"/>
-            <a:ext cx="617220" cy="617220"/>
-          </a:xfrm>
-          <a:prstGeom prst="rect">
-            <a:avLst/>
-          </a:prstGeom>
-        </p:spPr>
-      </p:pic>
-      <p:sp>
-        <p:nvSpPr>
-          <p:cNvPr id="16" name="Text 8"/>
-          <p:cNvSpPr/>
-          <p:nvPr/>
-        </p:nvSpPr>
-        <p:spPr>
-          <a:xfrm>
-            <a:off x="10818495" y="5801201"/>
-            <a:ext cx="2947868" cy="385763"/>
-          </a:xfrm>
-          <a:prstGeom prst="rect">
-            <a:avLst/>
-          </a:prstGeom>
-          <a:noFill/>
-          <a:ln/>
-        </p:spPr>
-        <p:txBody>
-          <a:bodyPr wrap="none" rtlCol="0" anchor="t"/>
-          <a:lstStyle/>
-          <a:p>
-            <a:pPr marL="0" indent="0" algn="l">
-              <a:lnSpc>
-                <a:spcPts val="3038"/>
-              </a:lnSpc>
-              <a:buNone/>
-            </a:pPr>
-            <a:r>
-              <a:rPr lang="en-US" sz="2430" dirty="0">
-                <a:solidFill>
-                  <a:srgbClr val="CFD0D8"/>
-                </a:solidFill>
-                <a:latin typeface="Roboto" pitchFamily="34" charset="0"/>
-                <a:ea typeface="Roboto" pitchFamily="34" charset="-122"/>
-                <a:cs typeface="Roboto" pitchFamily="34" charset="-120"/>
-              </a:rPr>
-              <a:t>Zoom Controls</a:t>
-            </a:r>
-            <a:endParaRPr lang="en-US" sz="2430" dirty="0"/>
-          </a:p>
-        </p:txBody>
-      </p:sp>
-      <p:sp>
-        <p:nvSpPr>
-          <p:cNvPr id="17" name="Text 9"/>
-          <p:cNvSpPr/>
-          <p:nvPr/>
-        </p:nvSpPr>
-        <p:spPr>
-          <a:xfrm>
-            <a:off x="10818495" y="6335078"/>
-            <a:ext cx="2947868" cy="1185148"/>
-          </a:xfrm>
-          <a:prstGeom prst="rect">
-            <a:avLst/>
-          </a:prstGeom>
-          <a:noFill/>
-          <a:ln/>
-        </p:spPr>
-        <p:txBody>
-          <a:bodyPr wrap="square" rtlCol="0" anchor="t"/>
-          <a:lstStyle/>
-          <a:p>
-            <a:pPr marL="0" indent="0" algn="l">
-              <a:lnSpc>
-                <a:spcPts val="3110"/>
-              </a:lnSpc>
-              <a:buNone/>
-            </a:pPr>
-            <a:r>
-              <a:rPr lang="en-US" sz="1944" dirty="0">
-                <a:solidFill>
-                  <a:srgbClr val="CFD0D8"/>
-                </a:solidFill>
-                <a:latin typeface="Roboto" pitchFamily="34" charset="0"/>
-                <a:ea typeface="Roboto" pitchFamily="34" charset="-122"/>
-                <a:cs typeface="Roboto" pitchFamily="34" charset="-120"/>
-              </a:rPr>
-              <a:t>Lets users zoom in and out to better observe the solving process.</a:t>
-            </a:r>
-            <a:endParaRPr lang="en-US" sz="1944" dirty="0"/>
-          </a:p>
-        </p:txBody>
-      </p:sp>
-    </p:spTree>
-  </p:cSld>
-  <p:clrMapOvr>
-    <a:masterClrMapping/>
-  </p:clrMapOvr>
-</p:sld>
-</file>
-
-<file path=ppt/slides/slide8.xml><?xml version="1.0" encoding="utf-8"?>
-<p:sld xmlns:a="http://schemas.openxmlformats.org/drawingml/2006/main" xmlns:r="http://schemas.openxmlformats.org/officeDocument/2006/relationships" xmlns:p="http://schemas.openxmlformats.org/presentationml/2006/main">
   <p:cSld name="Slide 8">
     <p:spTree>
       <p:nvGrpSpPr>
@@ -4976,7 +4315,7 @@
         </p:nvSpPr>
         <p:spPr>
           <a:xfrm>
-            <a:off x="0" y="0"/>
+            <a:off x="0" y="-13648"/>
             <a:ext cx="14630400" cy="8229600"/>
           </a:xfrm>
           <a:prstGeom prst="rect">
